--- a/FirstProject/doc/first/하이구로19정예은-1STPROJ1.pptx
+++ b/FirstProject/doc/first/하이구로19정예은-1STPROJ1.pptx
@@ -6,12 +6,19 @@
   </p:sldMasterIdLst>
   <p:sldIdLst>
     <p:sldId id="256" r:id="rId2"/>
-    <p:sldId id="257" r:id="rId3"/>
-    <p:sldId id="258" r:id="rId4"/>
-    <p:sldId id="259" r:id="rId5"/>
-    <p:sldId id="260" r:id="rId6"/>
-    <p:sldId id="261" r:id="rId7"/>
-    <p:sldId id="262" r:id="rId8"/>
+    <p:sldId id="263" r:id="rId3"/>
+    <p:sldId id="264" r:id="rId4"/>
+    <p:sldId id="265" r:id="rId5"/>
+    <p:sldId id="266" r:id="rId6"/>
+    <p:sldId id="267" r:id="rId7"/>
+    <p:sldId id="257" r:id="rId8"/>
+    <p:sldId id="258" r:id="rId9"/>
+    <p:sldId id="259" r:id="rId10"/>
+    <p:sldId id="260" r:id="rId11"/>
+    <p:sldId id="261" r:id="rId12"/>
+    <p:sldId id="262" r:id="rId13"/>
+    <p:sldId id="268" r:id="rId14"/>
+    <p:sldId id="269" r:id="rId15"/>
   </p:sldIdLst>
   <p:sldSz cx="12192000" cy="6858000"/>
   <p:notesSz cx="6858000" cy="9144000"/>
@@ -249,7 +256,7 @@
           <a:p>
             <a:fld id="{31016B82-7EFA-4BA0-909B-F413FF9D23A4}" type="datetimeFigureOut">
               <a:rPr lang="ko-KR" altLang="en-US" smtClean="0"/>
-              <a:t>2023-06-15</a:t>
+              <a:t>2023-06-26</a:t>
             </a:fld>
             <a:endParaRPr lang="ko-KR" altLang="en-US"/>
           </a:p>
@@ -419,7 +426,7 @@
           <a:p>
             <a:fld id="{31016B82-7EFA-4BA0-909B-F413FF9D23A4}" type="datetimeFigureOut">
               <a:rPr lang="ko-KR" altLang="en-US" smtClean="0"/>
-              <a:t>2023-06-15</a:t>
+              <a:t>2023-06-26</a:t>
             </a:fld>
             <a:endParaRPr lang="ko-KR" altLang="en-US"/>
           </a:p>
@@ -599,7 +606,7 @@
           <a:p>
             <a:fld id="{31016B82-7EFA-4BA0-909B-F413FF9D23A4}" type="datetimeFigureOut">
               <a:rPr lang="ko-KR" altLang="en-US" smtClean="0"/>
-              <a:t>2023-06-15</a:t>
+              <a:t>2023-06-26</a:t>
             </a:fld>
             <a:endParaRPr lang="ko-KR" altLang="en-US"/>
           </a:p>
@@ -769,7 +776,7 @@
           <a:p>
             <a:fld id="{31016B82-7EFA-4BA0-909B-F413FF9D23A4}" type="datetimeFigureOut">
               <a:rPr lang="ko-KR" altLang="en-US" smtClean="0"/>
-              <a:t>2023-06-15</a:t>
+              <a:t>2023-06-26</a:t>
             </a:fld>
             <a:endParaRPr lang="ko-KR" altLang="en-US"/>
           </a:p>
@@ -1015,7 +1022,7 @@
           <a:p>
             <a:fld id="{31016B82-7EFA-4BA0-909B-F413FF9D23A4}" type="datetimeFigureOut">
               <a:rPr lang="ko-KR" altLang="en-US" smtClean="0"/>
-              <a:t>2023-06-15</a:t>
+              <a:t>2023-06-26</a:t>
             </a:fld>
             <a:endParaRPr lang="ko-KR" altLang="en-US"/>
           </a:p>
@@ -1247,7 +1254,7 @@
           <a:p>
             <a:fld id="{31016B82-7EFA-4BA0-909B-F413FF9D23A4}" type="datetimeFigureOut">
               <a:rPr lang="ko-KR" altLang="en-US" smtClean="0"/>
-              <a:t>2023-06-15</a:t>
+              <a:t>2023-06-26</a:t>
             </a:fld>
             <a:endParaRPr lang="ko-KR" altLang="en-US"/>
           </a:p>
@@ -1614,7 +1621,7 @@
           <a:p>
             <a:fld id="{31016B82-7EFA-4BA0-909B-F413FF9D23A4}" type="datetimeFigureOut">
               <a:rPr lang="ko-KR" altLang="en-US" smtClean="0"/>
-              <a:t>2023-06-15</a:t>
+              <a:t>2023-06-26</a:t>
             </a:fld>
             <a:endParaRPr lang="ko-KR" altLang="en-US"/>
           </a:p>
@@ -1732,7 +1739,7 @@
           <a:p>
             <a:fld id="{31016B82-7EFA-4BA0-909B-F413FF9D23A4}" type="datetimeFigureOut">
               <a:rPr lang="ko-KR" altLang="en-US" smtClean="0"/>
-              <a:t>2023-06-15</a:t>
+              <a:t>2023-06-26</a:t>
             </a:fld>
             <a:endParaRPr lang="ko-KR" altLang="en-US"/>
           </a:p>
@@ -1827,7 +1834,7 @@
           <a:p>
             <a:fld id="{31016B82-7EFA-4BA0-909B-F413FF9D23A4}" type="datetimeFigureOut">
               <a:rPr lang="ko-KR" altLang="en-US" smtClean="0"/>
-              <a:t>2023-06-15</a:t>
+              <a:t>2023-06-26</a:t>
             </a:fld>
             <a:endParaRPr lang="ko-KR" altLang="en-US"/>
           </a:p>
@@ -2104,7 +2111,7 @@
           <a:p>
             <a:fld id="{31016B82-7EFA-4BA0-909B-F413FF9D23A4}" type="datetimeFigureOut">
               <a:rPr lang="ko-KR" altLang="en-US" smtClean="0"/>
-              <a:t>2023-06-15</a:t>
+              <a:t>2023-06-26</a:t>
             </a:fld>
             <a:endParaRPr lang="ko-KR" altLang="en-US"/>
           </a:p>
@@ -2357,7 +2364,7 @@
           <a:p>
             <a:fld id="{31016B82-7EFA-4BA0-909B-F413FF9D23A4}" type="datetimeFigureOut">
               <a:rPr lang="ko-KR" altLang="en-US" smtClean="0"/>
-              <a:t>2023-06-15</a:t>
+              <a:t>2023-06-26</a:t>
             </a:fld>
             <a:endParaRPr lang="ko-KR" altLang="en-US"/>
           </a:p>
@@ -2570,7 +2577,7 @@
           <a:p>
             <a:fld id="{31016B82-7EFA-4BA0-909B-F413FF9D23A4}" type="datetimeFigureOut">
               <a:rPr lang="ko-KR" altLang="en-US" smtClean="0"/>
-              <a:t>2023-06-15</a:t>
+              <a:t>2023-06-26</a:t>
             </a:fld>
             <a:endParaRPr lang="ko-KR" altLang="en-US"/>
           </a:p>
@@ -2996,12 +3003,8 @@
           <a:lstStyle/>
           <a:p>
             <a:r>
-              <a:rPr lang="en-US" altLang="ko-KR" dirty="0" smtClean="0"/>
-              <a:t>6/13~6/15 </a:t>
-            </a:r>
-            <a:r>
-              <a:rPr lang="ko-KR" altLang="en-US" dirty="0" err="1" smtClean="0"/>
-              <a:t>진행현황</a:t>
+              <a:rPr lang="ko-KR" altLang="en-US" dirty="0" smtClean="0"/>
+              <a:t>정예은</a:t>
             </a:r>
             <a:endParaRPr lang="ko-KR" altLang="en-US" dirty="0"/>
           </a:p>
@@ -3027,7 +3030,927 @@
 </p:sld>
 </file>
 
+<file path=ppt/slides/slide10.xml><?xml version="1.0" encoding="utf-8"?>
+<p:sld xmlns:a="http://schemas.openxmlformats.org/drawingml/2006/main" xmlns:r="http://schemas.openxmlformats.org/officeDocument/2006/relationships" xmlns:p="http://schemas.openxmlformats.org/presentationml/2006/main">
+  <p:cSld>
+    <p:spTree>
+      <p:nvGrpSpPr>
+        <p:cNvPr id="1" name=""/>
+        <p:cNvGrpSpPr/>
+        <p:nvPr/>
+      </p:nvGrpSpPr>
+      <p:grpSpPr>
+        <a:xfrm>
+          <a:off x="0" y="0"/>
+          <a:ext cx="0" cy="0"/>
+          <a:chOff x="0" y="0"/>
+          <a:chExt cx="0" cy="0"/>
+        </a:xfrm>
+      </p:grpSpPr>
+      <p:sp>
+        <p:nvSpPr>
+          <p:cNvPr id="2" name="제목 1"/>
+          <p:cNvSpPr>
+            <a:spLocks noGrp="1"/>
+          </p:cNvSpPr>
+          <p:nvPr>
+            <p:ph type="title"/>
+          </p:nvPr>
+        </p:nvSpPr>
+        <p:spPr/>
+        <p:txBody>
+          <a:bodyPr/>
+          <a:lstStyle/>
+          <a:p>
+            <a:r>
+              <a:rPr lang="ko-KR" altLang="en-US" dirty="0" smtClean="0"/>
+              <a:t>입양 신청서</a:t>
+            </a:r>
+            <a:endParaRPr lang="ko-KR" altLang="en-US" dirty="0"/>
+          </a:p>
+        </p:txBody>
+      </p:sp>
+      <p:pic>
+        <p:nvPicPr>
+          <p:cNvPr id="6" name="그림 5"/>
+          <p:cNvPicPr>
+            <a:picLocks noChangeAspect="1"/>
+          </p:cNvPicPr>
+          <p:nvPr/>
+        </p:nvPicPr>
+        <p:blipFill>
+          <a:blip r:embed="rId2">
+            <a:extLst>
+              <a:ext uri="{28A0092B-C50C-407E-A947-70E740481C1C}">
+                <a14:useLocalDpi xmlns:a14="http://schemas.microsoft.com/office/drawing/2010/main" val="0"/>
+              </a:ext>
+            </a:extLst>
+          </a:blip>
+          <a:stretch>
+            <a:fillRect/>
+          </a:stretch>
+        </p:blipFill>
+        <p:spPr>
+          <a:xfrm>
+            <a:off x="2493560" y="1690688"/>
+            <a:ext cx="7204880" cy="4945973"/>
+          </a:xfrm>
+          <a:prstGeom prst="rect">
+            <a:avLst/>
+          </a:prstGeom>
+        </p:spPr>
+      </p:pic>
+    </p:spTree>
+    <p:extLst>
+      <p:ext uri="{BB962C8B-B14F-4D97-AF65-F5344CB8AC3E}">
+        <p14:creationId xmlns:p14="http://schemas.microsoft.com/office/powerpoint/2010/main" val="3892128921"/>
+      </p:ext>
+    </p:extLst>
+  </p:cSld>
+  <p:clrMapOvr>
+    <a:masterClrMapping/>
+  </p:clrMapOvr>
+  <p:timing>
+    <p:tnLst>
+      <p:par>
+        <p:cTn id="1" dur="indefinite" restart="never" nodeType="tmRoot"/>
+      </p:par>
+    </p:tnLst>
+  </p:timing>
+</p:sld>
+</file>
+
+<file path=ppt/slides/slide11.xml><?xml version="1.0" encoding="utf-8"?>
+<p:sld xmlns:a="http://schemas.openxmlformats.org/drawingml/2006/main" xmlns:r="http://schemas.openxmlformats.org/officeDocument/2006/relationships" xmlns:p="http://schemas.openxmlformats.org/presentationml/2006/main">
+  <p:cSld>
+    <p:spTree>
+      <p:nvGrpSpPr>
+        <p:cNvPr id="1" name=""/>
+        <p:cNvGrpSpPr/>
+        <p:nvPr/>
+      </p:nvGrpSpPr>
+      <p:grpSpPr>
+        <a:xfrm>
+          <a:off x="0" y="0"/>
+          <a:ext cx="0" cy="0"/>
+          <a:chOff x="0" y="0"/>
+          <a:chExt cx="0" cy="0"/>
+        </a:xfrm>
+      </p:grpSpPr>
+      <p:pic>
+        <p:nvPicPr>
+          <p:cNvPr id="5" name="그림 4"/>
+          <p:cNvPicPr>
+            <a:picLocks noChangeAspect="1"/>
+          </p:cNvPicPr>
+          <p:nvPr/>
+        </p:nvPicPr>
+        <p:blipFill>
+          <a:blip r:embed="rId2">
+            <a:extLst>
+              <a:ext uri="{28A0092B-C50C-407E-A947-70E740481C1C}">
+                <a14:useLocalDpi xmlns:a14="http://schemas.microsoft.com/office/drawing/2010/main" val="0"/>
+              </a:ext>
+            </a:extLst>
+          </a:blip>
+          <a:stretch>
+            <a:fillRect/>
+          </a:stretch>
+        </p:blipFill>
+        <p:spPr>
+          <a:xfrm>
+            <a:off x="351422" y="2202489"/>
+            <a:ext cx="5741020" cy="3412196"/>
+          </a:xfrm>
+          <a:prstGeom prst="rect">
+            <a:avLst/>
+          </a:prstGeom>
+        </p:spPr>
+      </p:pic>
+      <p:sp>
+        <p:nvSpPr>
+          <p:cNvPr id="2" name="제목 1"/>
+          <p:cNvSpPr>
+            <a:spLocks noGrp="1"/>
+          </p:cNvSpPr>
+          <p:nvPr>
+            <p:ph type="title"/>
+          </p:nvPr>
+        </p:nvSpPr>
+        <p:spPr/>
+        <p:txBody>
+          <a:bodyPr/>
+          <a:lstStyle/>
+          <a:p>
+            <a:r>
+              <a:rPr lang="ko-KR" altLang="en-US" dirty="0" err="1" smtClean="0"/>
+              <a:t>입양후기</a:t>
+            </a:r>
+            <a:endParaRPr lang="ko-KR" altLang="en-US" dirty="0"/>
+          </a:p>
+        </p:txBody>
+      </p:sp>
+      <p:pic>
+        <p:nvPicPr>
+          <p:cNvPr id="3" name="그림 2"/>
+          <p:cNvPicPr>
+            <a:picLocks noChangeAspect="1"/>
+          </p:cNvPicPr>
+          <p:nvPr/>
+        </p:nvPicPr>
+        <p:blipFill>
+          <a:blip r:embed="rId3">
+            <a:extLst>
+              <a:ext uri="{28A0092B-C50C-407E-A947-70E740481C1C}">
+                <a14:useLocalDpi xmlns:a14="http://schemas.microsoft.com/office/drawing/2010/main" val="0"/>
+              </a:ext>
+            </a:extLst>
+          </a:blip>
+          <a:stretch>
+            <a:fillRect/>
+          </a:stretch>
+        </p:blipFill>
+        <p:spPr>
+          <a:xfrm>
+            <a:off x="6332092" y="2202489"/>
+            <a:ext cx="5642919" cy="3412196"/>
+          </a:xfrm>
+          <a:prstGeom prst="rect">
+            <a:avLst/>
+          </a:prstGeom>
+        </p:spPr>
+      </p:pic>
+    </p:spTree>
+    <p:extLst>
+      <p:ext uri="{BB962C8B-B14F-4D97-AF65-F5344CB8AC3E}">
+        <p14:creationId xmlns:p14="http://schemas.microsoft.com/office/powerpoint/2010/main" val="4160710451"/>
+      </p:ext>
+    </p:extLst>
+  </p:cSld>
+  <p:clrMapOvr>
+    <a:masterClrMapping/>
+  </p:clrMapOvr>
+  <p:timing>
+    <p:tnLst>
+      <p:par>
+        <p:cTn id="1" dur="indefinite" restart="never" nodeType="tmRoot"/>
+      </p:par>
+    </p:tnLst>
+  </p:timing>
+</p:sld>
+</file>
+
+<file path=ppt/slides/slide12.xml><?xml version="1.0" encoding="utf-8"?>
+<p:sld xmlns:a="http://schemas.openxmlformats.org/drawingml/2006/main" xmlns:r="http://schemas.openxmlformats.org/officeDocument/2006/relationships" xmlns:p="http://schemas.openxmlformats.org/presentationml/2006/main">
+  <p:cSld>
+    <p:spTree>
+      <p:nvGrpSpPr>
+        <p:cNvPr id="1" name=""/>
+        <p:cNvGrpSpPr/>
+        <p:nvPr/>
+      </p:nvGrpSpPr>
+      <p:grpSpPr>
+        <a:xfrm>
+          <a:off x="0" y="0"/>
+          <a:ext cx="0" cy="0"/>
+          <a:chOff x="0" y="0"/>
+          <a:chExt cx="0" cy="0"/>
+        </a:xfrm>
+      </p:grpSpPr>
+      <p:sp>
+        <p:nvSpPr>
+          <p:cNvPr id="2" name="제목 1"/>
+          <p:cNvSpPr>
+            <a:spLocks noGrp="1"/>
+          </p:cNvSpPr>
+          <p:nvPr>
+            <p:ph type="title"/>
+          </p:nvPr>
+        </p:nvSpPr>
+        <p:spPr/>
+        <p:txBody>
+          <a:bodyPr/>
+          <a:lstStyle/>
+          <a:p>
+            <a:r>
+              <a:rPr lang="ko-KR" altLang="en-US" dirty="0" smtClean="0"/>
+              <a:t>반려동물을 찾습니다</a:t>
+            </a:r>
+            <a:endParaRPr lang="ko-KR" altLang="en-US" dirty="0"/>
+          </a:p>
+        </p:txBody>
+      </p:sp>
+      <p:pic>
+        <p:nvPicPr>
+          <p:cNvPr id="4" name="내용 개체 틀 3"/>
+          <p:cNvPicPr>
+            <a:picLocks noGrp="1" noChangeAspect="1"/>
+          </p:cNvPicPr>
+          <p:nvPr>
+            <p:ph idx="1"/>
+          </p:nvPr>
+        </p:nvPicPr>
+        <p:blipFill>
+          <a:blip r:embed="rId2">
+            <a:extLst>
+              <a:ext uri="{28A0092B-C50C-407E-A947-70E740481C1C}">
+                <a14:useLocalDpi xmlns:a14="http://schemas.microsoft.com/office/drawing/2010/main" val="0"/>
+              </a:ext>
+            </a:extLst>
+          </a:blip>
+          <a:stretch>
+            <a:fillRect/>
+          </a:stretch>
+        </p:blipFill>
+        <p:spPr>
+          <a:xfrm>
+            <a:off x="1562450" y="1842100"/>
+            <a:ext cx="9067100" cy="4351338"/>
+          </a:xfrm>
+        </p:spPr>
+      </p:pic>
+    </p:spTree>
+    <p:extLst>
+      <p:ext uri="{BB962C8B-B14F-4D97-AF65-F5344CB8AC3E}">
+        <p14:creationId xmlns:p14="http://schemas.microsoft.com/office/powerpoint/2010/main" val="242167863"/>
+      </p:ext>
+    </p:extLst>
+  </p:cSld>
+  <p:clrMapOvr>
+    <a:masterClrMapping/>
+  </p:clrMapOvr>
+  <p:timing>
+    <p:tnLst>
+      <p:par>
+        <p:cTn id="1" dur="indefinite" restart="never" nodeType="tmRoot"/>
+      </p:par>
+    </p:tnLst>
+  </p:timing>
+</p:sld>
+</file>
+
+<file path=ppt/slides/slide13.xml><?xml version="1.0" encoding="utf-8"?>
+<p:sld xmlns:a="http://schemas.openxmlformats.org/drawingml/2006/main" xmlns:r="http://schemas.openxmlformats.org/officeDocument/2006/relationships" xmlns:p="http://schemas.openxmlformats.org/presentationml/2006/main">
+  <p:cSld>
+    <p:spTree>
+      <p:nvGrpSpPr>
+        <p:cNvPr id="1" name=""/>
+        <p:cNvGrpSpPr/>
+        <p:nvPr/>
+      </p:nvGrpSpPr>
+      <p:grpSpPr>
+        <a:xfrm>
+          <a:off x="0" y="0"/>
+          <a:ext cx="0" cy="0"/>
+          <a:chOff x="0" y="0"/>
+          <a:chExt cx="0" cy="0"/>
+        </a:xfrm>
+      </p:grpSpPr>
+      <p:sp>
+        <p:nvSpPr>
+          <p:cNvPr id="2" name="제목 1"/>
+          <p:cNvSpPr>
+            <a:spLocks noGrp="1"/>
+          </p:cNvSpPr>
+          <p:nvPr>
+            <p:ph type="title"/>
+          </p:nvPr>
+        </p:nvSpPr>
+        <p:spPr/>
+        <p:txBody>
+          <a:bodyPr/>
+          <a:lstStyle/>
+          <a:p>
+            <a:r>
+              <a:rPr lang="ko-KR" altLang="en-US" dirty="0" smtClean="0"/>
+              <a:t>다음주 일정</a:t>
+            </a:r>
+            <a:endParaRPr lang="ko-KR" altLang="en-US" dirty="0"/>
+          </a:p>
+        </p:txBody>
+      </p:sp>
+      <p:pic>
+        <p:nvPicPr>
+          <p:cNvPr id="4" name="그림 3"/>
+          <p:cNvPicPr>
+            <a:picLocks noChangeAspect="1"/>
+          </p:cNvPicPr>
+          <p:nvPr/>
+        </p:nvPicPr>
+        <p:blipFill>
+          <a:blip r:embed="rId2">
+            <a:extLst>
+              <a:ext uri="{28A0092B-C50C-407E-A947-70E740481C1C}">
+                <a14:useLocalDpi xmlns:a14="http://schemas.microsoft.com/office/drawing/2010/main" val="0"/>
+              </a:ext>
+            </a:extLst>
+          </a:blip>
+          <a:stretch>
+            <a:fillRect/>
+          </a:stretch>
+        </p:blipFill>
+        <p:spPr>
+          <a:xfrm>
+            <a:off x="351422" y="2202489"/>
+            <a:ext cx="5741020" cy="3412196"/>
+          </a:xfrm>
+          <a:prstGeom prst="rect">
+            <a:avLst/>
+          </a:prstGeom>
+        </p:spPr>
+      </p:pic>
+      <p:pic>
+        <p:nvPicPr>
+          <p:cNvPr id="5" name="그림 4"/>
+          <p:cNvPicPr>
+            <a:picLocks noChangeAspect="1"/>
+          </p:cNvPicPr>
+          <p:nvPr/>
+        </p:nvPicPr>
+        <p:blipFill>
+          <a:blip r:embed="rId3">
+            <a:extLst>
+              <a:ext uri="{28A0092B-C50C-407E-A947-70E740481C1C}">
+                <a14:useLocalDpi xmlns:a14="http://schemas.microsoft.com/office/drawing/2010/main" val="0"/>
+              </a:ext>
+            </a:extLst>
+          </a:blip>
+          <a:stretch>
+            <a:fillRect/>
+          </a:stretch>
+        </p:blipFill>
+        <p:spPr>
+          <a:xfrm>
+            <a:off x="6332092" y="2202489"/>
+            <a:ext cx="5642919" cy="3412196"/>
+          </a:xfrm>
+          <a:prstGeom prst="rect">
+            <a:avLst/>
+          </a:prstGeom>
+        </p:spPr>
+      </p:pic>
+    </p:spTree>
+    <p:extLst>
+      <p:ext uri="{BB962C8B-B14F-4D97-AF65-F5344CB8AC3E}">
+        <p14:creationId xmlns:p14="http://schemas.microsoft.com/office/powerpoint/2010/main" val="605186974"/>
+      </p:ext>
+    </p:extLst>
+  </p:cSld>
+  <p:clrMapOvr>
+    <a:masterClrMapping/>
+  </p:clrMapOvr>
+</p:sld>
+</file>
+
+<file path=ppt/slides/slide14.xml><?xml version="1.0" encoding="utf-8"?>
+<p:sld xmlns:a="http://schemas.openxmlformats.org/drawingml/2006/main" xmlns:r="http://schemas.openxmlformats.org/officeDocument/2006/relationships" xmlns:p="http://schemas.openxmlformats.org/presentationml/2006/main">
+  <p:cSld>
+    <p:spTree>
+      <p:nvGrpSpPr>
+        <p:cNvPr id="1" name=""/>
+        <p:cNvGrpSpPr/>
+        <p:nvPr/>
+      </p:nvGrpSpPr>
+      <p:grpSpPr>
+        <a:xfrm>
+          <a:off x="0" y="0"/>
+          <a:ext cx="0" cy="0"/>
+          <a:chOff x="0" y="0"/>
+          <a:chExt cx="0" cy="0"/>
+        </a:xfrm>
+      </p:grpSpPr>
+      <p:pic>
+        <p:nvPicPr>
+          <p:cNvPr id="4" name="내용 개체 틀 3"/>
+          <p:cNvPicPr>
+            <a:picLocks noGrp="1" noChangeAspect="1"/>
+          </p:cNvPicPr>
+          <p:nvPr>
+            <p:ph idx="1"/>
+          </p:nvPr>
+        </p:nvPicPr>
+        <p:blipFill>
+          <a:blip r:embed="rId2">
+            <a:extLst>
+              <a:ext uri="{28A0092B-C50C-407E-A947-70E740481C1C}">
+                <a14:useLocalDpi xmlns:a14="http://schemas.microsoft.com/office/drawing/2010/main" val="0"/>
+              </a:ext>
+            </a:extLst>
+          </a:blip>
+          <a:stretch>
+            <a:fillRect/>
+          </a:stretch>
+        </p:blipFill>
+        <p:spPr>
+          <a:xfrm>
+            <a:off x="1562450" y="1825625"/>
+            <a:ext cx="9067100" cy="4351338"/>
+          </a:xfrm>
+        </p:spPr>
+      </p:pic>
+    </p:spTree>
+    <p:extLst>
+      <p:ext uri="{BB962C8B-B14F-4D97-AF65-F5344CB8AC3E}">
+        <p14:creationId xmlns:p14="http://schemas.microsoft.com/office/powerpoint/2010/main" val="3524174396"/>
+      </p:ext>
+    </p:extLst>
+  </p:cSld>
+  <p:clrMapOvr>
+    <a:masterClrMapping/>
+  </p:clrMapOvr>
+</p:sld>
+</file>
+
 <file path=ppt/slides/slide2.xml><?xml version="1.0" encoding="utf-8"?>
+<p:sld xmlns:a="http://schemas.openxmlformats.org/drawingml/2006/main" xmlns:r="http://schemas.openxmlformats.org/officeDocument/2006/relationships" xmlns:p="http://schemas.openxmlformats.org/presentationml/2006/main">
+  <p:cSld>
+    <p:spTree>
+      <p:nvGrpSpPr>
+        <p:cNvPr id="1" name=""/>
+        <p:cNvGrpSpPr/>
+        <p:nvPr/>
+      </p:nvGrpSpPr>
+      <p:grpSpPr>
+        <a:xfrm>
+          <a:off x="0" y="0"/>
+          <a:ext cx="0" cy="0"/>
+          <a:chOff x="0" y="0"/>
+          <a:chExt cx="0" cy="0"/>
+        </a:xfrm>
+      </p:grpSpPr>
+      <p:sp>
+        <p:nvSpPr>
+          <p:cNvPr id="2" name="제목 1"/>
+          <p:cNvSpPr>
+            <a:spLocks noGrp="1"/>
+          </p:cNvSpPr>
+          <p:nvPr>
+            <p:ph type="title"/>
+          </p:nvPr>
+        </p:nvSpPr>
+        <p:spPr/>
+        <p:txBody>
+          <a:bodyPr/>
+          <a:lstStyle/>
+          <a:p>
+            <a:r>
+              <a:rPr lang="ko-KR" altLang="en-US" dirty="0" smtClean="0"/>
+              <a:t>목차</a:t>
+            </a:r>
+            <a:endParaRPr lang="ko-KR" altLang="en-US" dirty="0"/>
+          </a:p>
+        </p:txBody>
+      </p:sp>
+      <p:sp>
+        <p:nvSpPr>
+          <p:cNvPr id="3" name="내용 개체 틀 2"/>
+          <p:cNvSpPr>
+            <a:spLocks noGrp="1"/>
+          </p:cNvSpPr>
+          <p:nvPr>
+            <p:ph idx="1"/>
+          </p:nvPr>
+        </p:nvSpPr>
+        <p:spPr/>
+        <p:txBody>
+          <a:bodyPr>
+            <a:normAutofit lnSpcReduction="10000"/>
+          </a:bodyPr>
+          <a:lstStyle/>
+          <a:p>
+            <a:r>
+              <a:rPr lang="ko-KR" altLang="en-US" dirty="0" smtClean="0"/>
+              <a:t>기획의도</a:t>
+            </a:r>
+            <a:endParaRPr lang="en-US" altLang="ko-KR" dirty="0" smtClean="0"/>
+          </a:p>
+          <a:p>
+            <a:endParaRPr lang="en-US" altLang="ko-KR" dirty="0" smtClean="0"/>
+          </a:p>
+          <a:p>
+            <a:r>
+              <a:rPr lang="ko-KR" altLang="en-US" dirty="0" smtClean="0"/>
+              <a:t>개발환경</a:t>
+            </a:r>
+            <a:endParaRPr lang="en-US" altLang="ko-KR" dirty="0" smtClean="0"/>
+          </a:p>
+          <a:p>
+            <a:endParaRPr lang="en-US" altLang="ko-KR" dirty="0" smtClean="0"/>
+          </a:p>
+          <a:p>
+            <a:r>
+              <a:rPr lang="ko-KR" altLang="en-US" dirty="0" smtClean="0"/>
+              <a:t>프로젝트 일정</a:t>
+            </a:r>
+            <a:endParaRPr lang="en-US" altLang="ko-KR" dirty="0" smtClean="0"/>
+          </a:p>
+          <a:p>
+            <a:endParaRPr lang="en-US" altLang="ko-KR" dirty="0" smtClean="0"/>
+          </a:p>
+          <a:p>
+            <a:r>
+              <a:rPr lang="en-US" altLang="ko-KR" dirty="0" smtClean="0"/>
+              <a:t>UI </a:t>
+            </a:r>
+            <a:r>
+              <a:rPr lang="ko-KR" altLang="en-US" dirty="0" smtClean="0"/>
+              <a:t>정의서</a:t>
+            </a:r>
+            <a:endParaRPr lang="en-US" altLang="ko-KR" dirty="0" smtClean="0"/>
+          </a:p>
+          <a:p>
+            <a:endParaRPr lang="en-US" altLang="ko-KR" dirty="0" smtClean="0"/>
+          </a:p>
+          <a:p>
+            <a:r>
+              <a:rPr lang="en-US" altLang="ko-KR" dirty="0" smtClean="0"/>
+              <a:t>UML Diagram</a:t>
+            </a:r>
+            <a:endParaRPr lang="ko-KR" altLang="en-US" dirty="0"/>
+          </a:p>
+        </p:txBody>
+      </p:sp>
+    </p:spTree>
+    <p:extLst>
+      <p:ext uri="{BB962C8B-B14F-4D97-AF65-F5344CB8AC3E}">
+        <p14:creationId xmlns:p14="http://schemas.microsoft.com/office/powerpoint/2010/main" val="2323041748"/>
+      </p:ext>
+    </p:extLst>
+  </p:cSld>
+  <p:clrMapOvr>
+    <a:masterClrMapping/>
+  </p:clrMapOvr>
+</p:sld>
+</file>
+
+<file path=ppt/slides/slide3.xml><?xml version="1.0" encoding="utf-8"?>
+<p:sld xmlns:a="http://schemas.openxmlformats.org/drawingml/2006/main" xmlns:r="http://schemas.openxmlformats.org/officeDocument/2006/relationships" xmlns:p="http://schemas.openxmlformats.org/presentationml/2006/main">
+  <p:cSld>
+    <p:spTree>
+      <p:nvGrpSpPr>
+        <p:cNvPr id="1" name=""/>
+        <p:cNvGrpSpPr/>
+        <p:nvPr/>
+      </p:nvGrpSpPr>
+      <p:grpSpPr>
+        <a:xfrm>
+          <a:off x="0" y="0"/>
+          <a:ext cx="0" cy="0"/>
+          <a:chOff x="0" y="0"/>
+          <a:chExt cx="0" cy="0"/>
+        </a:xfrm>
+      </p:grpSpPr>
+      <p:sp>
+        <p:nvSpPr>
+          <p:cNvPr id="2" name="제목 1"/>
+          <p:cNvSpPr>
+            <a:spLocks noGrp="1"/>
+          </p:cNvSpPr>
+          <p:nvPr>
+            <p:ph type="title"/>
+          </p:nvPr>
+        </p:nvSpPr>
+        <p:spPr/>
+        <p:txBody>
+          <a:bodyPr/>
+          <a:lstStyle/>
+          <a:p>
+            <a:r>
+              <a:rPr lang="ko-KR" altLang="en-US" dirty="0" smtClean="0"/>
+              <a:t>기획의도</a:t>
+            </a:r>
+            <a:endParaRPr lang="ko-KR" altLang="en-US" dirty="0"/>
+          </a:p>
+        </p:txBody>
+      </p:sp>
+      <p:sp>
+        <p:nvSpPr>
+          <p:cNvPr id="3" name="내용 개체 틀 2"/>
+          <p:cNvSpPr>
+            <a:spLocks noGrp="1"/>
+          </p:cNvSpPr>
+          <p:nvPr>
+            <p:ph idx="1"/>
+          </p:nvPr>
+        </p:nvSpPr>
+        <p:spPr/>
+        <p:txBody>
+          <a:bodyPr/>
+          <a:lstStyle/>
+          <a:p>
+            <a:endParaRPr lang="ko-KR" altLang="en-US"/>
+          </a:p>
+        </p:txBody>
+      </p:sp>
+    </p:spTree>
+    <p:extLst>
+      <p:ext uri="{BB962C8B-B14F-4D97-AF65-F5344CB8AC3E}">
+        <p14:creationId xmlns:p14="http://schemas.microsoft.com/office/powerpoint/2010/main" val="2073579653"/>
+      </p:ext>
+    </p:extLst>
+  </p:cSld>
+  <p:clrMapOvr>
+    <a:masterClrMapping/>
+  </p:clrMapOvr>
+</p:sld>
+</file>
+
+<file path=ppt/slides/slide4.xml><?xml version="1.0" encoding="utf-8"?>
+<p:sld xmlns:a="http://schemas.openxmlformats.org/drawingml/2006/main" xmlns:r="http://schemas.openxmlformats.org/officeDocument/2006/relationships" xmlns:p="http://schemas.openxmlformats.org/presentationml/2006/main">
+  <p:cSld>
+    <p:spTree>
+      <p:nvGrpSpPr>
+        <p:cNvPr id="1" name=""/>
+        <p:cNvGrpSpPr/>
+        <p:nvPr/>
+      </p:nvGrpSpPr>
+      <p:grpSpPr>
+        <a:xfrm>
+          <a:off x="0" y="0"/>
+          <a:ext cx="0" cy="0"/>
+          <a:chOff x="0" y="0"/>
+          <a:chExt cx="0" cy="0"/>
+        </a:xfrm>
+      </p:grpSpPr>
+      <p:sp>
+        <p:nvSpPr>
+          <p:cNvPr id="2" name="제목 1"/>
+          <p:cNvSpPr>
+            <a:spLocks noGrp="1"/>
+          </p:cNvSpPr>
+          <p:nvPr>
+            <p:ph type="title"/>
+          </p:nvPr>
+        </p:nvSpPr>
+        <p:spPr/>
+        <p:txBody>
+          <a:bodyPr/>
+          <a:lstStyle/>
+          <a:p>
+            <a:r>
+              <a:rPr lang="ko-KR" altLang="en-US" dirty="0" err="1" smtClean="0"/>
+              <a:t>참고사이트</a:t>
+            </a:r>
+            <a:endParaRPr lang="ko-KR" altLang="en-US" dirty="0"/>
+          </a:p>
+        </p:txBody>
+      </p:sp>
+      <p:sp>
+        <p:nvSpPr>
+          <p:cNvPr id="3" name="내용 개체 틀 2"/>
+          <p:cNvSpPr>
+            <a:spLocks noGrp="1"/>
+          </p:cNvSpPr>
+          <p:nvPr>
+            <p:ph idx="1"/>
+          </p:nvPr>
+        </p:nvSpPr>
+        <p:spPr/>
+        <p:txBody>
+          <a:bodyPr/>
+          <a:lstStyle/>
+          <a:p>
+            <a:endParaRPr lang="ko-KR" altLang="en-US"/>
+          </a:p>
+        </p:txBody>
+      </p:sp>
+    </p:spTree>
+    <p:extLst>
+      <p:ext uri="{BB962C8B-B14F-4D97-AF65-F5344CB8AC3E}">
+        <p14:creationId xmlns:p14="http://schemas.microsoft.com/office/powerpoint/2010/main" val="764988329"/>
+      </p:ext>
+    </p:extLst>
+  </p:cSld>
+  <p:clrMapOvr>
+    <a:masterClrMapping/>
+  </p:clrMapOvr>
+</p:sld>
+</file>
+
+<file path=ppt/slides/slide5.xml><?xml version="1.0" encoding="utf-8"?>
+<p:sld xmlns:a="http://schemas.openxmlformats.org/drawingml/2006/main" xmlns:r="http://schemas.openxmlformats.org/officeDocument/2006/relationships" xmlns:p="http://schemas.openxmlformats.org/presentationml/2006/main">
+  <p:cSld>
+    <p:spTree>
+      <p:nvGrpSpPr>
+        <p:cNvPr id="1" name=""/>
+        <p:cNvGrpSpPr/>
+        <p:nvPr/>
+      </p:nvGrpSpPr>
+      <p:grpSpPr>
+        <a:xfrm>
+          <a:off x="0" y="0"/>
+          <a:ext cx="0" cy="0"/>
+          <a:chOff x="0" y="0"/>
+          <a:chExt cx="0" cy="0"/>
+        </a:xfrm>
+      </p:grpSpPr>
+      <p:sp>
+        <p:nvSpPr>
+          <p:cNvPr id="2" name="제목 1"/>
+          <p:cNvSpPr>
+            <a:spLocks noGrp="1"/>
+          </p:cNvSpPr>
+          <p:nvPr>
+            <p:ph type="title"/>
+          </p:nvPr>
+        </p:nvSpPr>
+        <p:spPr/>
+        <p:txBody>
+          <a:bodyPr/>
+          <a:lstStyle/>
+          <a:p>
+            <a:r>
+              <a:rPr lang="ko-KR" altLang="en-US" dirty="0" smtClean="0"/>
+              <a:t>개발환경</a:t>
+            </a:r>
+            <a:endParaRPr lang="ko-KR" altLang="en-US" dirty="0"/>
+          </a:p>
+        </p:txBody>
+      </p:sp>
+      <p:pic>
+        <p:nvPicPr>
+          <p:cNvPr id="28" name="그림 27"/>
+          <p:cNvPicPr>
+            <a:picLocks noChangeAspect="1"/>
+          </p:cNvPicPr>
+          <p:nvPr/>
+        </p:nvPicPr>
+        <p:blipFill>
+          <a:blip r:embed="rId2">
+            <a:extLst>
+              <a:ext uri="{28A0092B-C50C-407E-A947-70E740481C1C}">
+                <a14:useLocalDpi xmlns:a14="http://schemas.microsoft.com/office/drawing/2010/main" val="0"/>
+              </a:ext>
+            </a:extLst>
+          </a:blip>
+          <a:stretch>
+            <a:fillRect/>
+          </a:stretch>
+        </p:blipFill>
+        <p:spPr>
+          <a:xfrm>
+            <a:off x="205902" y="3051395"/>
+            <a:ext cx="11780196" cy="1447845"/>
+          </a:xfrm>
+          <a:prstGeom prst="rect">
+            <a:avLst/>
+          </a:prstGeom>
+        </p:spPr>
+      </p:pic>
+    </p:spTree>
+    <p:extLst>
+      <p:ext uri="{BB962C8B-B14F-4D97-AF65-F5344CB8AC3E}">
+        <p14:creationId xmlns:p14="http://schemas.microsoft.com/office/powerpoint/2010/main" val="2318674701"/>
+      </p:ext>
+    </p:extLst>
+  </p:cSld>
+  <p:clrMapOvr>
+    <a:masterClrMapping/>
+  </p:clrMapOvr>
+</p:sld>
+</file>
+
+<file path=ppt/slides/slide6.xml><?xml version="1.0" encoding="utf-8"?>
+<p:sld xmlns:a="http://schemas.openxmlformats.org/drawingml/2006/main" xmlns:r="http://schemas.openxmlformats.org/officeDocument/2006/relationships" xmlns:p="http://schemas.openxmlformats.org/presentationml/2006/main">
+  <p:cSld>
+    <p:spTree>
+      <p:nvGrpSpPr>
+        <p:cNvPr id="1" name=""/>
+        <p:cNvGrpSpPr/>
+        <p:nvPr/>
+      </p:nvGrpSpPr>
+      <p:grpSpPr>
+        <a:xfrm>
+          <a:off x="0" y="0"/>
+          <a:ext cx="0" cy="0"/>
+          <a:chOff x="0" y="0"/>
+          <a:chExt cx="0" cy="0"/>
+        </a:xfrm>
+      </p:grpSpPr>
+      <p:sp>
+        <p:nvSpPr>
+          <p:cNvPr id="2" name="제목 1"/>
+          <p:cNvSpPr>
+            <a:spLocks noGrp="1"/>
+          </p:cNvSpPr>
+          <p:nvPr>
+            <p:ph type="title"/>
+          </p:nvPr>
+        </p:nvSpPr>
+        <p:spPr>
+          <a:xfrm>
+            <a:off x="128082" y="965348"/>
+            <a:ext cx="2955587" cy="1325563"/>
+          </a:xfrm>
+        </p:spPr>
+        <p:txBody>
+          <a:bodyPr/>
+          <a:lstStyle/>
+          <a:p>
+            <a:pPr algn="ctr"/>
+            <a:r>
+              <a:rPr lang="ko-KR" altLang="en-US" dirty="0" smtClean="0"/>
+              <a:t>프로젝트</a:t>
+            </a:r>
+            <a:r>
+              <a:rPr lang="en-US" altLang="ko-KR" dirty="0" smtClean="0"/>
+              <a:t/>
+            </a:r>
+            <a:br>
+              <a:rPr lang="en-US" altLang="ko-KR" dirty="0" smtClean="0"/>
+            </a:br>
+            <a:r>
+              <a:rPr lang="ko-KR" altLang="en-US" dirty="0" smtClean="0"/>
+              <a:t>일정</a:t>
+            </a:r>
+            <a:endParaRPr lang="ko-KR" altLang="en-US" dirty="0"/>
+          </a:p>
+        </p:txBody>
+      </p:sp>
+      <p:pic>
+        <p:nvPicPr>
+          <p:cNvPr id="4" name="그림 3"/>
+          <p:cNvPicPr>
+            <a:picLocks noChangeAspect="1"/>
+          </p:cNvPicPr>
+          <p:nvPr/>
+        </p:nvPicPr>
+        <p:blipFill>
+          <a:blip r:embed="rId2" cstate="print">
+            <a:extLst>
+              <a:ext uri="{28A0092B-C50C-407E-A947-70E740481C1C}">
+                <a14:useLocalDpi xmlns:a14="http://schemas.microsoft.com/office/drawing/2010/main" val="0"/>
+              </a:ext>
+            </a:extLst>
+          </a:blip>
+          <a:stretch>
+            <a:fillRect/>
+          </a:stretch>
+        </p:blipFill>
+        <p:spPr>
+          <a:xfrm>
+            <a:off x="3083669" y="628877"/>
+            <a:ext cx="8614345" cy="5744044"/>
+          </a:xfrm>
+          <a:prstGeom prst="rect">
+            <a:avLst/>
+          </a:prstGeom>
+        </p:spPr>
+      </p:pic>
+    </p:spTree>
+    <p:extLst>
+      <p:ext uri="{BB962C8B-B14F-4D97-AF65-F5344CB8AC3E}">
+        <p14:creationId xmlns:p14="http://schemas.microsoft.com/office/powerpoint/2010/main" val="3936430620"/>
+      </p:ext>
+    </p:extLst>
+  </p:cSld>
+  <p:clrMapOvr>
+    <a:masterClrMapping/>
+  </p:clrMapOvr>
+</p:sld>
+</file>
+
+<file path=ppt/slides/slide7.xml><?xml version="1.0" encoding="utf-8"?>
 <p:sld xmlns:a="http://schemas.openxmlformats.org/drawingml/2006/main" xmlns:r="http://schemas.openxmlformats.org/officeDocument/2006/relationships" xmlns:p="http://schemas.openxmlformats.org/presentationml/2006/main">
   <p:cSld>
     <p:spTree>
@@ -3147,7 +4070,7 @@
 </p:sld>
 </file>
 
-<file path=ppt/slides/slide3.xml><?xml version="1.0" encoding="utf-8"?>
+<file path=ppt/slides/slide8.xml><?xml version="1.0" encoding="utf-8"?>
 <p:sld xmlns:a="http://schemas.openxmlformats.org/drawingml/2006/main" xmlns:r="http://schemas.openxmlformats.org/officeDocument/2006/relationships" xmlns:p="http://schemas.openxmlformats.org/presentationml/2006/main">
   <p:cSld>
     <p:spTree>
@@ -3267,7 +4190,7 @@
 </p:sld>
 </file>
 
-<file path=ppt/slides/slide4.xml><?xml version="1.0" encoding="utf-8"?>
+<file path=ppt/slides/slide9.xml><?xml version="1.0" encoding="utf-8"?>
 <p:sld xmlns:a="http://schemas.openxmlformats.org/drawingml/2006/main" xmlns:r="http://schemas.openxmlformats.org/officeDocument/2006/relationships" xmlns:p="http://schemas.openxmlformats.org/presentationml/2006/main">
   <p:cSld>
     <p:spTree>
@@ -3284,36 +4207,6 @@
           <a:chExt cx="0" cy="0"/>
         </a:xfrm>
       </p:grpSpPr>
-      <p:pic>
-        <p:nvPicPr>
-          <p:cNvPr id="3" name="그림 2"/>
-          <p:cNvPicPr>
-            <a:picLocks noChangeAspect="1"/>
-          </p:cNvPicPr>
-          <p:nvPr/>
-        </p:nvPicPr>
-        <p:blipFill>
-          <a:blip r:embed="rId2">
-            <a:extLst>
-              <a:ext uri="{28A0092B-C50C-407E-A947-70E740481C1C}">
-                <a14:useLocalDpi xmlns:a14="http://schemas.microsoft.com/office/drawing/2010/main" val="0"/>
-              </a:ext>
-            </a:extLst>
-          </a:blip>
-          <a:stretch>
-            <a:fillRect/>
-          </a:stretch>
-        </p:blipFill>
-        <p:spPr>
-          <a:xfrm>
-            <a:off x="690447" y="2183027"/>
-            <a:ext cx="6084265" cy="3571102"/>
-          </a:xfrm>
-          <a:prstGeom prst="rect">
-            <a:avLst/>
-          </a:prstGeom>
-        </p:spPr>
-      </p:pic>
       <p:sp>
         <p:nvSpPr>
           <p:cNvPr id="2" name="제목 1"/>
@@ -3345,163 +4238,6 @@
           </a:p>
         </p:txBody>
       </p:sp>
-      <p:pic>
-        <p:nvPicPr>
-          <p:cNvPr id="5" name="그림 4"/>
-          <p:cNvPicPr>
-            <a:picLocks noChangeAspect="1"/>
-          </p:cNvPicPr>
-          <p:nvPr/>
-        </p:nvPicPr>
-        <p:blipFill>
-          <a:blip r:embed="rId3">
-            <a:extLst>
-              <a:ext uri="{28A0092B-C50C-407E-A947-70E740481C1C}">
-                <a14:useLocalDpi xmlns:a14="http://schemas.microsoft.com/office/drawing/2010/main" val="0"/>
-              </a:ext>
-            </a:extLst>
-          </a:blip>
-          <a:stretch>
-            <a:fillRect/>
-          </a:stretch>
-        </p:blipFill>
-        <p:spPr>
-          <a:xfrm>
-            <a:off x="7083009" y="2183027"/>
-            <a:ext cx="4463878" cy="3571102"/>
-          </a:xfrm>
-          <a:prstGeom prst="rect">
-            <a:avLst/>
-          </a:prstGeom>
-        </p:spPr>
-      </p:pic>
-    </p:spTree>
-    <p:extLst>
-      <p:ext uri="{BB962C8B-B14F-4D97-AF65-F5344CB8AC3E}">
-        <p14:creationId xmlns:p14="http://schemas.microsoft.com/office/powerpoint/2010/main" val="650407254"/>
-      </p:ext>
-    </p:extLst>
-  </p:cSld>
-  <p:clrMapOvr>
-    <a:masterClrMapping/>
-  </p:clrMapOvr>
-  <p:timing>
-    <p:tnLst>
-      <p:par>
-        <p:cTn id="1" dur="indefinite" restart="never" nodeType="tmRoot"/>
-      </p:par>
-    </p:tnLst>
-  </p:timing>
-</p:sld>
-</file>
-
-<file path=ppt/slides/slide5.xml><?xml version="1.0" encoding="utf-8"?>
-<p:sld xmlns:a="http://schemas.openxmlformats.org/drawingml/2006/main" xmlns:r="http://schemas.openxmlformats.org/officeDocument/2006/relationships" xmlns:p="http://schemas.openxmlformats.org/presentationml/2006/main">
-  <p:cSld>
-    <p:spTree>
-      <p:nvGrpSpPr>
-        <p:cNvPr id="1" name=""/>
-        <p:cNvGrpSpPr/>
-        <p:nvPr/>
-      </p:nvGrpSpPr>
-      <p:grpSpPr>
-        <a:xfrm>
-          <a:off x="0" y="0"/>
-          <a:ext cx="0" cy="0"/>
-          <a:chOff x="0" y="0"/>
-          <a:chExt cx="0" cy="0"/>
-        </a:xfrm>
-      </p:grpSpPr>
-      <p:sp>
-        <p:nvSpPr>
-          <p:cNvPr id="2" name="제목 1"/>
-          <p:cNvSpPr>
-            <a:spLocks noGrp="1"/>
-          </p:cNvSpPr>
-          <p:nvPr>
-            <p:ph type="title"/>
-          </p:nvPr>
-        </p:nvSpPr>
-        <p:spPr/>
-        <p:txBody>
-          <a:bodyPr/>
-          <a:lstStyle/>
-          <a:p>
-            <a:r>
-              <a:rPr lang="ko-KR" altLang="en-US" dirty="0" smtClean="0"/>
-              <a:t>입양 신청서</a:t>
-            </a:r>
-            <a:endParaRPr lang="ko-KR" altLang="en-US" dirty="0"/>
-          </a:p>
-        </p:txBody>
-      </p:sp>
-      <p:pic>
-        <p:nvPicPr>
-          <p:cNvPr id="6" name="그림 5"/>
-          <p:cNvPicPr>
-            <a:picLocks noChangeAspect="1"/>
-          </p:cNvPicPr>
-          <p:nvPr/>
-        </p:nvPicPr>
-        <p:blipFill>
-          <a:blip r:embed="rId2">
-            <a:extLst>
-              <a:ext uri="{28A0092B-C50C-407E-A947-70E740481C1C}">
-                <a14:useLocalDpi xmlns:a14="http://schemas.microsoft.com/office/drawing/2010/main" val="0"/>
-              </a:ext>
-            </a:extLst>
-          </a:blip>
-          <a:stretch>
-            <a:fillRect/>
-          </a:stretch>
-        </p:blipFill>
-        <p:spPr>
-          <a:xfrm>
-            <a:off x="2493560" y="1690688"/>
-            <a:ext cx="7204880" cy="4945973"/>
-          </a:xfrm>
-          <a:prstGeom prst="rect">
-            <a:avLst/>
-          </a:prstGeom>
-        </p:spPr>
-      </p:pic>
-    </p:spTree>
-    <p:extLst>
-      <p:ext uri="{BB962C8B-B14F-4D97-AF65-F5344CB8AC3E}">
-        <p14:creationId xmlns:p14="http://schemas.microsoft.com/office/powerpoint/2010/main" val="3892128921"/>
-      </p:ext>
-    </p:extLst>
-  </p:cSld>
-  <p:clrMapOvr>
-    <a:masterClrMapping/>
-  </p:clrMapOvr>
-  <p:timing>
-    <p:tnLst>
-      <p:par>
-        <p:cTn id="1" dur="indefinite" restart="never" nodeType="tmRoot"/>
-      </p:par>
-    </p:tnLst>
-  </p:timing>
-</p:sld>
-</file>
-
-<file path=ppt/slides/slide6.xml><?xml version="1.0" encoding="utf-8"?>
-<p:sld xmlns:a="http://schemas.openxmlformats.org/drawingml/2006/main" xmlns:r="http://schemas.openxmlformats.org/officeDocument/2006/relationships" xmlns:p="http://schemas.openxmlformats.org/presentationml/2006/main">
-  <p:cSld>
-    <p:spTree>
-      <p:nvGrpSpPr>
-        <p:cNvPr id="1" name=""/>
-        <p:cNvGrpSpPr/>
-        <p:nvPr/>
-      </p:nvGrpSpPr>
-      <p:grpSpPr>
-        <a:xfrm>
-          <a:off x="0" y="0"/>
-          <a:ext cx="0" cy="0"/>
-          <a:chOff x="0" y="0"/>
-          <a:chExt cx="0" cy="0"/>
-        </a:xfrm>
-      </p:grpSpPr>
       <p:pic>
         <p:nvPicPr>
           <p:cNvPr id="5" name="그림 4"/>
@@ -3524,37 +4260,14 @@
         </p:blipFill>
         <p:spPr>
           <a:xfrm>
-            <a:off x="351422" y="2202489"/>
-            <a:ext cx="5741020" cy="3412196"/>
+            <a:off x="7083009" y="2183027"/>
+            <a:ext cx="4463878" cy="3571102"/>
           </a:xfrm>
           <a:prstGeom prst="rect">
             <a:avLst/>
           </a:prstGeom>
         </p:spPr>
       </p:pic>
-      <p:sp>
-        <p:nvSpPr>
-          <p:cNvPr id="2" name="제목 1"/>
-          <p:cNvSpPr>
-            <a:spLocks noGrp="1"/>
-          </p:cNvSpPr>
-          <p:nvPr>
-            <p:ph type="title"/>
-          </p:nvPr>
-        </p:nvSpPr>
-        <p:spPr/>
-        <p:txBody>
-          <a:bodyPr/>
-          <a:lstStyle/>
-          <a:p>
-            <a:r>
-              <a:rPr lang="ko-KR" altLang="en-US" dirty="0" err="1" smtClean="0"/>
-              <a:t>입양후기</a:t>
-            </a:r>
-            <a:endParaRPr lang="ko-KR" altLang="en-US" dirty="0"/>
-          </a:p>
-        </p:txBody>
-      </p:sp>
       <p:pic>
         <p:nvPicPr>
           <p:cNvPr id="3" name="그림 2"/>
@@ -3577,8 +4290,8 @@
         </p:blipFill>
         <p:spPr>
           <a:xfrm>
-            <a:off x="6332092" y="2202489"/>
-            <a:ext cx="5642919" cy="3412196"/>
+            <a:off x="838200" y="1913483"/>
+            <a:ext cx="6072854" cy="3840646"/>
           </a:xfrm>
           <a:prstGeom prst="rect">
             <a:avLst/>
@@ -3588,96 +4301,7 @@
     </p:spTree>
     <p:extLst>
       <p:ext uri="{BB962C8B-B14F-4D97-AF65-F5344CB8AC3E}">
-        <p14:creationId xmlns:p14="http://schemas.microsoft.com/office/powerpoint/2010/main" val="4160710451"/>
-      </p:ext>
-    </p:extLst>
-  </p:cSld>
-  <p:clrMapOvr>
-    <a:masterClrMapping/>
-  </p:clrMapOvr>
-  <p:timing>
-    <p:tnLst>
-      <p:par>
-        <p:cTn id="1" dur="indefinite" restart="never" nodeType="tmRoot"/>
-      </p:par>
-    </p:tnLst>
-  </p:timing>
-</p:sld>
-</file>
-
-<file path=ppt/slides/slide7.xml><?xml version="1.0" encoding="utf-8"?>
-<p:sld xmlns:a="http://schemas.openxmlformats.org/drawingml/2006/main" xmlns:r="http://schemas.openxmlformats.org/officeDocument/2006/relationships" xmlns:p="http://schemas.openxmlformats.org/presentationml/2006/main">
-  <p:cSld>
-    <p:spTree>
-      <p:nvGrpSpPr>
-        <p:cNvPr id="1" name=""/>
-        <p:cNvGrpSpPr/>
-        <p:nvPr/>
-      </p:nvGrpSpPr>
-      <p:grpSpPr>
-        <a:xfrm>
-          <a:off x="0" y="0"/>
-          <a:ext cx="0" cy="0"/>
-          <a:chOff x="0" y="0"/>
-          <a:chExt cx="0" cy="0"/>
-        </a:xfrm>
-      </p:grpSpPr>
-      <p:sp>
-        <p:nvSpPr>
-          <p:cNvPr id="2" name="제목 1"/>
-          <p:cNvSpPr>
-            <a:spLocks noGrp="1"/>
-          </p:cNvSpPr>
-          <p:nvPr>
-            <p:ph type="title"/>
-          </p:nvPr>
-        </p:nvSpPr>
-        <p:spPr/>
-        <p:txBody>
-          <a:bodyPr/>
-          <a:lstStyle/>
-          <a:p>
-            <a:r>
-              <a:rPr lang="ko-KR" altLang="en-US" dirty="0" smtClean="0"/>
-              <a:t>반려동물을 찾습니다</a:t>
-            </a:r>
-            <a:endParaRPr lang="ko-KR" altLang="en-US" dirty="0"/>
-          </a:p>
-        </p:txBody>
-      </p:sp>
-      <p:pic>
-        <p:nvPicPr>
-          <p:cNvPr id="4" name="내용 개체 틀 3"/>
-          <p:cNvPicPr>
-            <a:picLocks noGrp="1" noChangeAspect="1"/>
-          </p:cNvPicPr>
-          <p:nvPr>
-            <p:ph idx="1"/>
-          </p:nvPr>
-        </p:nvPicPr>
-        <p:blipFill>
-          <a:blip r:embed="rId2">
-            <a:extLst>
-              <a:ext uri="{28A0092B-C50C-407E-A947-70E740481C1C}">
-                <a14:useLocalDpi xmlns:a14="http://schemas.microsoft.com/office/drawing/2010/main" val="0"/>
-              </a:ext>
-            </a:extLst>
-          </a:blip>
-          <a:stretch>
-            <a:fillRect/>
-          </a:stretch>
-        </p:blipFill>
-        <p:spPr>
-          <a:xfrm>
-            <a:off x="1562450" y="1842100"/>
-            <a:ext cx="9067100" cy="4351338"/>
-          </a:xfrm>
-        </p:spPr>
-      </p:pic>
-    </p:spTree>
-    <p:extLst>
-      <p:ext uri="{BB962C8B-B14F-4D97-AF65-F5344CB8AC3E}">
-        <p14:creationId xmlns:p14="http://schemas.microsoft.com/office/powerpoint/2010/main" val="242167863"/>
+        <p14:creationId xmlns:p14="http://schemas.microsoft.com/office/powerpoint/2010/main" val="650407254"/>
       </p:ext>
     </p:extLst>
   </p:cSld>
